--- a/project_draft.pptx
+++ b/project_draft.pptx
@@ -232,7 +232,7 @@
           <a:p>
             <a:fld id="{9232FC57-E1F8-4F59-A87C-2833007EAF57}" type="datetimeFigureOut">
               <a:rPr lang="en-US" smtClean="0"/>
-              <a:t>12/4/2022</a:t>
+              <a:t>12/6/2022</a:t>
             </a:fld>
             <a:endParaRPr lang="en-US"/>
           </a:p>
@@ -409,7 +409,7 @@
           <a:p>
             <a:fld id="{C98ACAC0-59EA-4916-9995-398D6BEB88C3}" type="datetimeFigureOut">
               <a:rPr lang="en-US" smtClean="0"/>
-              <a:t>12/4/2022</a:t>
+              <a:t>12/6/2022</a:t>
             </a:fld>
             <a:endParaRPr lang="en-US"/>
           </a:p>
@@ -1617,7 +1617,7 @@
           <a:p>
             <a:fld id="{E199D1A0-04AB-4DD4-B9DB-BDEC5E64C94C}" type="datetime1">
               <a:rPr lang="en-US" smtClean="0"/>
-              <a:t>12/4/2022</a:t>
+              <a:t>12/6/2022</a:t>
             </a:fld>
             <a:endParaRPr lang="en-US" dirty="0"/>
           </a:p>
@@ -1851,7 +1851,7 @@
           <a:p>
             <a:fld id="{CF53EA80-260A-4EE9-83BB-E6DD04DEA906}" type="datetime1">
               <a:rPr lang="en-US" smtClean="0"/>
-              <a:t>12/4/2022</a:t>
+              <a:t>12/6/2022</a:t>
             </a:fld>
             <a:endParaRPr lang="en-US" dirty="0"/>
           </a:p>
@@ -2341,7 +2341,7 @@
           <a:p>
             <a:fld id="{8CD80274-DEF2-4F5D-8F74-69D0554CED55}" type="datetime1">
               <a:rPr lang="en-US" smtClean="0"/>
-              <a:t>12/4/2022</a:t>
+              <a:t>12/6/2022</a:t>
             </a:fld>
             <a:endParaRPr lang="en-US" dirty="0"/>
           </a:p>
@@ -2577,7 +2577,7 @@
           <a:p>
             <a:fld id="{C09D4DA8-2D4A-4F06-BECA-044AF4113FB4}" type="datetime1">
               <a:rPr lang="en-US" smtClean="0"/>
-              <a:t>12/4/2022</a:t>
+              <a:t>12/6/2022</a:t>
             </a:fld>
             <a:endParaRPr lang="en-US" dirty="0"/>
           </a:p>
@@ -3051,7 +3051,7 @@
           <a:p>
             <a:fld id="{C7C81873-7D47-483D-BCB4-50DD9806C720}" type="datetime1">
               <a:rPr lang="en-US" smtClean="0"/>
-              <a:t>12/4/2022</a:t>
+              <a:t>12/6/2022</a:t>
             </a:fld>
             <a:endParaRPr lang="en-US" dirty="0"/>
           </a:p>
@@ -3380,7 +3380,7 @@
           <a:p>
             <a:fld id="{90EA6C54-2562-43EA-9A1B-F808D04718E7}" type="datetime1">
               <a:rPr lang="en-US" smtClean="0"/>
-              <a:t>12/4/2022</a:t>
+              <a:t>12/6/2022</a:t>
             </a:fld>
             <a:endParaRPr lang="en-US" dirty="0"/>
           </a:p>
@@ -3515,7 +3515,7 @@
           <a:p>
             <a:fld id="{90EA6C54-2562-43EA-9A1B-F808D04718E7}" type="datetime1">
               <a:rPr lang="en-US" smtClean="0"/>
-              <a:t>12/4/2022</a:t>
+              <a:t>12/6/2022</a:t>
             </a:fld>
             <a:endParaRPr lang="en-US" dirty="0"/>
           </a:p>
@@ -3761,7 +3761,7 @@
           <a:p>
             <a:fld id="{C5DB74C9-B808-4394-A017-79C83B2524EF}" type="datetime1">
               <a:rPr lang="en-US" smtClean="0"/>
-              <a:t>12/4/2022</a:t>
+              <a:t>12/6/2022</a:t>
             </a:fld>
             <a:endParaRPr lang="en-US" dirty="0"/>
           </a:p>
@@ -4220,7 +4220,7 @@
           <a:p>
             <a:fld id="{AAD2DF6D-B715-4785-8DEA-9165C638CF44}" type="datetime1">
               <a:rPr lang="en-US" smtClean="0"/>
-              <a:t>12/4/2022</a:t>
+              <a:t>12/6/2022</a:t>
             </a:fld>
             <a:endParaRPr lang="en-US" dirty="0"/>
           </a:p>
@@ -4854,7 +4854,7 @@
           <a:p>
             <a:fld id="{137AE72A-09B6-4D56-855D-4360BD347914}" type="datetime1">
               <a:rPr lang="en-US" smtClean="0"/>
-              <a:t>12/4/2022</a:t>
+              <a:t>12/6/2022</a:t>
             </a:fld>
             <a:endParaRPr lang="en-US" dirty="0"/>
           </a:p>
@@ -5186,7 +5186,7 @@
           <a:p>
             <a:fld id="{1E5577C8-AB8C-4B8A-A01F-113B16C4DCA3}" type="datetime1">
               <a:rPr lang="en-US" smtClean="0"/>
-              <a:t>12/4/2022</a:t>
+              <a:t>12/6/2022</a:t>
             </a:fld>
             <a:endParaRPr lang="en-US" dirty="0"/>
           </a:p>
@@ -6350,7 +6350,7 @@
             <a:fld id="{5AF05980-54E0-4F3D-BAF3-4CE06FA77025}" type="datetime1">
               <a:rPr lang="en-US" smtClean="0"/>
               <a:pPr/>
-              <a:t>12/4/2022</a:t>
+              <a:t>12/6/2022</a:t>
             </a:fld>
             <a:endParaRPr lang="en-US" dirty="0"/>
           </a:p>
@@ -6604,7 +6604,7 @@
             <a:fld id="{9FEF76E7-2EBE-4103-B764-AD23619BE076}" type="datetime1">
               <a:rPr lang="en-US" smtClean="0"/>
               <a:pPr/>
-              <a:t>12/4/2022</a:t>
+              <a:t>12/6/2022</a:t>
             </a:fld>
             <a:endParaRPr lang="en-US" dirty="0"/>
           </a:p>
@@ -9651,7 +9651,7 @@
             <a:fld id="{BEE4C197-EFE5-4623-8631-61DB25EC0F85}" type="datetime1">
               <a:rPr lang="en-US" smtClean="0"/>
               <a:pPr/>
-              <a:t>12/4/2022</a:t>
+              <a:t>12/6/2022</a:t>
             </a:fld>
             <a:endParaRPr lang="en-US" dirty="0"/>
           </a:p>
@@ -9768,14 +9768,14 @@
           <p:nvPr>
             <p:extLst>
               <p:ext uri="{D42A27DB-BD31-4B8C-83A1-F6EECF244321}">
-                <p14:modId xmlns:p14="http://schemas.microsoft.com/office/powerpoint/2010/main" val="1388536474"/>
+                <p14:modId xmlns:p14="http://schemas.microsoft.com/office/powerpoint/2010/main" val="1663143817"/>
               </p:ext>
             </p:extLst>
           </p:nvPr>
         </p:nvGraphicFramePr>
         <p:xfrm>
           <a:off x="7531240" y="2429454"/>
-          <a:ext cx="4017647" cy="3173969"/>
+          <a:ext cx="4127360" cy="3173969"/>
         </p:xfrm>
         <a:graphic>
           <a:graphicData uri="http://schemas.openxmlformats.org/drawingml/2006/table">
@@ -9805,7 +9805,7 @@
                     </a:ext>
                   </a:extLst>
                 </a:gridCol>
-                <a:gridCol w="835343">
+                <a:gridCol w="945056">
                   <a:extLst>
                     <a:ext uri="{9D8B030D-6E8A-4147-A177-3AD203B41FA5}">
                       <a16:colId xmlns:a16="http://schemas.microsoft.com/office/drawing/2014/main" val="823495254"/>
@@ -11111,7 +11111,7 @@
                     <a:p>
                       <a:r>
                         <a:rPr lang="en-US" sz="1400" dirty="0"/>
-                        <a:t>OFF</a:t>
+                        <a:t>Steady</a:t>
                       </a:r>
                     </a:p>
                   </a:txBody>
@@ -11276,7 +11276,7 @@
                     <a:p>
                       <a:r>
                         <a:rPr lang="en-US" sz="1400" dirty="0"/>
-                        <a:t>OFF</a:t>
+                        <a:t>Steady</a:t>
                       </a:r>
                     </a:p>
                   </a:txBody>
@@ -11346,7 +11346,7 @@
                       </a:pPr>
                       <a:r>
                         <a:rPr lang="en-US" sz="1400" dirty="0"/>
-                        <a:t>Steady</a:t>
+                        <a:t>Blinking</a:t>
                       </a:r>
                     </a:p>
                   </a:txBody>
@@ -11939,7 +11939,7 @@
             <a:fld id="{9FEF76E7-2EBE-4103-B764-AD23619BE076}" type="datetime1">
               <a:rPr lang="en-US" smtClean="0"/>
               <a:pPr/>
-              <a:t>12/4/2022</a:t>
+              <a:t>12/6/2022</a:t>
             </a:fld>
             <a:endParaRPr lang="en-US" dirty="0"/>
           </a:p>
